--- a/20200113-20190117王华胜.pptx
+++ b/20200113-20190117王华胜.pptx
@@ -8,11 +8,16 @@
     <p:notesMasterId r:id="rId4"/>
   </p:notesMasterIdLst>
   <p:handoutMasterIdLst>
-    <p:handoutMasterId r:id="rId6"/>
+    <p:handoutMasterId r:id="rId11"/>
   </p:handoutMasterIdLst>
   <p:sldIdLst>
     <p:sldId id="256" r:id="rId3"/>
     <p:sldId id="257" r:id="rId5"/>
+    <p:sldId id="258" r:id="rId6"/>
+    <p:sldId id="260" r:id="rId7"/>
+    <p:sldId id="261" r:id="rId8"/>
+    <p:sldId id="262" r:id="rId9"/>
+    <p:sldId id="263" r:id="rId10"/>
   </p:sldIdLst>
   <p:sldSz cx="12192000" cy="6858000"/>
   <p:notesSz cx="6858000" cy="9144000"/>
@@ -4755,7 +4760,15 @@
               </a:rPr>
               <a:t>数据结构与算法</a:t>
             </a:r>
-            <a:endParaRPr lang="zh-CN" altLang="en-US"/>
+            <a:r>
+              <a:rPr lang="en-US" altLang="zh-CN" dirty="0">
+                <a:sym typeface="+mn-ea"/>
+              </a:rPr>
+              <a:t>(1)</a:t>
+            </a:r>
+            <a:endParaRPr lang="en-US" altLang="zh-CN" dirty="0">
+              <a:sym typeface="+mn-ea"/>
+            </a:endParaRPr>
           </a:p>
         </p:txBody>
       </p:sp>
@@ -4822,14 +4835,20 @@
             <p:ph type="title"/>
           </p:nvPr>
         </p:nvSpPr>
-        <p:spPr/>
+        <p:spPr>
+          <a:xfrm>
+            <a:off x="669882" y="461845"/>
+            <a:ext cx="10852237" cy="648000"/>
+          </a:xfrm>
+        </p:spPr>
         <p:txBody>
           <a:bodyPr/>
           <a:p>
             <a:r>
-              <a:t>简单做一个总结：</a:t>
-            </a:r>
-            <a:endParaRPr lang="en-US" altLang="zh-CN"/>
+              <a:rPr sz="6000"/>
+              <a:t>概述</a:t>
+            </a:r>
+            <a:endParaRPr sz="6000"/>
           </a:p>
         </p:txBody>
       </p:sp>
@@ -4851,53 +4870,775 @@
               <a:buNone/>
             </a:pPr>
             <a:r>
-              <a:rPr lang="en-US" altLang="zh-CN"/>
-              <a:t>1.</a:t>
-            </a:r>
-            <a:r>
-              <a:t>看完了第一、第二章的视频；</a:t>
-            </a:r>
+              <a:rPr lang="en-US" altLang="zh-CN" sz="2400"/>
+              <a:t>1.看完了第一、第二章的视频；</a:t>
+            </a:r>
+            <a:endParaRPr lang="en-US" altLang="zh-CN" sz="2400"/>
           </a:p>
           <a:p>
             <a:pPr marL="0" indent="0">
               <a:buNone/>
             </a:pPr>
             <a:r>
-              <a:rPr lang="en-US" altLang="zh-CN"/>
-              <a:t>2.</a:t>
-            </a:r>
-            <a:r>
-              <a:t>简单实现了线性表的顺序表和单链表；</a:t>
-            </a:r>
+              <a:rPr lang="en-US" altLang="zh-CN" sz="2400"/>
+              <a:t>2.简单实现了线性表的顺序表和单链表；</a:t>
+            </a:r>
+            <a:endParaRPr lang="en-US" altLang="zh-CN" sz="2400"/>
           </a:p>
           <a:p>
             <a:pPr marL="0" indent="0">
               <a:buNone/>
             </a:pPr>
             <a:r>
-              <a:rPr lang="en-US" altLang="zh-CN"/>
-              <a:t>3.</a:t>
-            </a:r>
-            <a:r>
-              <a:t>学习</a:t>
-            </a:r>
-            <a:r>
-              <a:t>了</a:t>
-            </a:r>
-            <a:r>
-              <a:rPr lang="en-US" altLang="zh-CN"/>
-              <a:t>C</a:t>
-            </a:r>
-            <a:r>
-              <a:t>语言程序设计（第三版）里的动态储存和链表的相关知识；</a:t>
-            </a:r>
-            <a:endParaRPr lang="en-US" altLang="zh-CN"/>
+              <a:rPr lang="en-US" altLang="zh-CN" sz="2400"/>
+              <a:t>3.学习了C语言程序设计（第三版）里的动态储存和链表的相关知识；</a:t>
+            </a:r>
+            <a:endParaRPr lang="en-US" altLang="zh-CN" sz="2400"/>
           </a:p>
         </p:txBody>
       </p:sp>
     </p:spTree>
     <p:custDataLst>
       <p:tags r:id="rId1"/>
+    </p:custDataLst>
+  </p:cSld>
+  <p:clrMapOvr>
+    <a:masterClrMapping/>
+  </p:clrMapOvr>
+</p:sld>
+</file>
+
+<file path=ppt/slides/slide3.xml><?xml version="1.0" encoding="utf-8"?>
+<p:sld xmlns:a="http://schemas.openxmlformats.org/drawingml/2006/main" xmlns:r="http://schemas.openxmlformats.org/officeDocument/2006/relationships" xmlns:p="http://schemas.openxmlformats.org/presentationml/2006/main">
+  <p:cSld>
+    <p:spTree>
+      <p:nvGrpSpPr>
+        <p:cNvPr id="1" name=""/>
+        <p:cNvGrpSpPr/>
+        <p:nvPr/>
+      </p:nvGrpSpPr>
+      <p:grpSpPr/>
+      <p:sp>
+        <p:nvSpPr>
+          <p:cNvPr id="2" name="标题 1"/>
+          <p:cNvSpPr>
+            <a:spLocks noGrp="1"/>
+          </p:cNvSpPr>
+          <p:nvPr>
+            <p:ph type="title"/>
+          </p:nvPr>
+        </p:nvSpPr>
+        <p:spPr/>
+        <p:txBody>
+          <a:bodyPr/>
+          <a:p>
+            <a:r>
+              <a:rPr lang="zh-CN" altLang="en-US" sz="6000"/>
+              <a:t>类与对象</a:t>
+            </a:r>
+            <a:endParaRPr lang="zh-CN" altLang="en-US" sz="6000"/>
+          </a:p>
+        </p:txBody>
+      </p:sp>
+      <p:sp>
+        <p:nvSpPr>
+          <p:cNvPr id="3" name="内容占位符 2"/>
+          <p:cNvSpPr>
+            <a:spLocks noGrp="1"/>
+          </p:cNvSpPr>
+          <p:nvPr>
+            <p:ph idx="1"/>
+          </p:nvPr>
+        </p:nvSpPr>
+        <p:spPr>
+          <a:xfrm>
+            <a:off x="669882" y="1280760"/>
+            <a:ext cx="10852237" cy="5041355"/>
+          </a:xfrm>
+        </p:spPr>
+        <p:txBody>
+          <a:bodyPr/>
+          <a:p>
+            <a:pPr marL="0" indent="0">
+              <a:buNone/>
+            </a:pPr>
+            <a:r>
+              <a:rPr lang="en-US" altLang="zh-CN" sz="2400"/>
+              <a:t>1</a:t>
+            </a:r>
+            <a:r>
+              <a:rPr sz="2400"/>
+              <a:t>、指向类的指针方式如同指向结构的指针。实际上，类可以看成是一个带有函数的结构；</a:t>
+            </a:r>
+            <a:endParaRPr sz="2400"/>
+          </a:p>
+          <a:p>
+            <a:pPr marL="0" indent="0">
+              <a:buNone/>
+            </a:pPr>
+            <a:r>
+              <a:rPr lang="en-US" altLang="zh-CN" sz="2400"/>
+              <a:t>2</a:t>
+            </a:r>
+            <a:r>
+              <a:rPr sz="2400"/>
+              <a:t>、类提供了对象的蓝图，所以基本上，对象是根据类来创建的；</a:t>
+            </a:r>
+            <a:endParaRPr lang="en-US" altLang="zh-CN" sz="2400"/>
+          </a:p>
+          <a:p>
+            <a:pPr marL="0" indent="0">
+              <a:buNone/>
+            </a:pPr>
+            <a:r>
+              <a:rPr lang="en-US" altLang="zh-CN" sz="2400"/>
+              <a:t>3</a:t>
+            </a:r>
+            <a:r>
+              <a:rPr sz="2400"/>
+              <a:t>、类的对象的公共数据成员可以使用直接成员访问运算符 (.) 来访问；</a:t>
+            </a:r>
+            <a:endParaRPr sz="2400"/>
+          </a:p>
+          <a:p>
+            <a:pPr marL="0" indent="0">
+              <a:buNone/>
+            </a:pPr>
+            <a:r>
+              <a:rPr lang="en-US" altLang="zh-CN" sz="2400"/>
+              <a:t>4</a:t>
+            </a:r>
+            <a:r>
+              <a:rPr sz="2400"/>
+              <a:t>、C++ 中的 this 指针	每个对象都有一个特殊的指针 this，它指向对象本身，它并非对象的成员，是常量指针；</a:t>
+            </a:r>
+            <a:endParaRPr sz="2400"/>
+          </a:p>
+          <a:p>
+            <a:pPr marL="0" indent="0">
+              <a:buNone/>
+            </a:pPr>
+            <a:r>
+              <a:rPr lang="en-US" altLang="zh-CN" sz="2400"/>
+              <a:t>5</a:t>
+            </a:r>
+            <a:r>
+              <a:rPr sz="2400"/>
+              <a:t>、需要注意的是，私有的成员和受保护的成员不能使用直接成员访问运算符 (.) 来直接访问。</a:t>
+            </a:r>
+            <a:endParaRPr sz="2400"/>
+          </a:p>
+        </p:txBody>
+      </p:sp>
+    </p:spTree>
+    <p:custDataLst>
+      <p:tags r:id="rId1"/>
+    </p:custDataLst>
+  </p:cSld>
+  <p:clrMapOvr>
+    <a:masterClrMapping/>
+  </p:clrMapOvr>
+</p:sld>
+</file>
+
+<file path=ppt/slides/slide4.xml><?xml version="1.0" encoding="utf-8"?>
+<p:sld xmlns:a="http://schemas.openxmlformats.org/drawingml/2006/main" xmlns:r="http://schemas.openxmlformats.org/officeDocument/2006/relationships" xmlns:p="http://schemas.openxmlformats.org/presentationml/2006/main">
+  <p:cSld>
+    <p:spTree>
+      <p:nvGrpSpPr>
+        <p:cNvPr id="1" name=""/>
+        <p:cNvGrpSpPr/>
+        <p:nvPr/>
+      </p:nvGrpSpPr>
+      <p:grpSpPr/>
+      <p:sp>
+        <p:nvSpPr>
+          <p:cNvPr id="2" name="标题 1"/>
+          <p:cNvSpPr>
+            <a:spLocks noGrp="1"/>
+          </p:cNvSpPr>
+          <p:nvPr>
+            <p:ph type="title"/>
+          </p:nvPr>
+        </p:nvSpPr>
+        <p:spPr/>
+        <p:txBody>
+          <a:bodyPr/>
+          <a:p>
+            <a:r>
+              <a:rPr lang="zh-CN" altLang="en-US"/>
+              <a:t>顺序表的实现</a:t>
+            </a:r>
+            <a:endParaRPr lang="zh-CN" altLang="en-US"/>
+          </a:p>
+        </p:txBody>
+      </p:sp>
+      <p:sp>
+        <p:nvSpPr>
+          <p:cNvPr id="3" name="内容占位符 2"/>
+          <p:cNvSpPr>
+            <a:spLocks noGrp="1"/>
+          </p:cNvSpPr>
+          <p:nvPr>
+            <p:ph idx="1"/>
+          </p:nvPr>
+        </p:nvSpPr>
+        <p:spPr>
+          <a:xfrm>
+            <a:off x="669925" y="1296035"/>
+            <a:ext cx="10852150" cy="5363845"/>
+          </a:xfrm>
+        </p:spPr>
+        <p:txBody>
+          <a:bodyPr/>
+          <a:p>
+            <a:r>
+              <a:rPr lang="zh-CN" altLang="en-US"/>
+              <a:t>由于顺序表不涉及动态储存，定义比较简单：</a:t>
+            </a:r>
+            <a:endParaRPr lang="zh-CN" altLang="en-US"/>
+          </a:p>
+          <a:p>
+            <a:endParaRPr lang="zh-CN" altLang="en-US"/>
+          </a:p>
+          <a:p>
+            <a:endParaRPr lang="zh-CN" altLang="en-US"/>
+          </a:p>
+          <a:p>
+            <a:endParaRPr lang="zh-CN" altLang="en-US"/>
+          </a:p>
+          <a:p>
+            <a:r>
+              <a:rPr lang="zh-CN" altLang="en-US"/>
+              <a:t>插入删除就相当于对数组</a:t>
+            </a:r>
+            <a:r>
+              <a:rPr lang="en-US" altLang="zh-CN"/>
+              <a:t>array</a:t>
+            </a:r>
+            <a:r>
+              <a:t>的操作：</a:t>
+            </a:r>
+            <a:endParaRPr lang="zh-CN" altLang="en-US"/>
+          </a:p>
+          <a:p>
+            <a:endParaRPr lang="zh-CN" altLang="en-US"/>
+          </a:p>
+        </p:txBody>
+      </p:sp>
+      <p:pic>
+        <p:nvPicPr>
+          <p:cNvPr id="4" name="图片 3" descr="360截图20200118092617111"/>
+          <p:cNvPicPr>
+            <a:picLocks noChangeAspect="1"/>
+          </p:cNvPicPr>
+          <p:nvPr/>
+        </p:nvPicPr>
+        <p:blipFill>
+          <a:blip r:embed="rId1"/>
+          <a:stretch>
+            <a:fillRect/>
+          </a:stretch>
+        </p:blipFill>
+        <p:spPr>
+          <a:xfrm>
+            <a:off x="1223010" y="1791335"/>
+            <a:ext cx="3619500" cy="989965"/>
+          </a:xfrm>
+          <a:prstGeom prst="rect">
+            <a:avLst/>
+          </a:prstGeom>
+        </p:spPr>
+      </p:pic>
+      <p:pic>
+        <p:nvPicPr>
+          <p:cNvPr id="5" name="图片 4" descr="360截图20200118094339343"/>
+          <p:cNvPicPr>
+            <a:picLocks noChangeAspect="1"/>
+          </p:cNvPicPr>
+          <p:nvPr/>
+        </p:nvPicPr>
+        <p:blipFill>
+          <a:blip r:embed="rId2"/>
+          <a:stretch>
+            <a:fillRect/>
+          </a:stretch>
+        </p:blipFill>
+        <p:spPr>
+          <a:xfrm>
+            <a:off x="1223010" y="3505200"/>
+            <a:ext cx="4251960" cy="3154680"/>
+          </a:xfrm>
+          <a:prstGeom prst="rect">
+            <a:avLst/>
+          </a:prstGeom>
+        </p:spPr>
+      </p:pic>
+    </p:spTree>
+    <p:custDataLst>
+      <p:tags r:id="rId3"/>
+    </p:custDataLst>
+  </p:cSld>
+  <p:clrMapOvr>
+    <a:masterClrMapping/>
+  </p:clrMapOvr>
+</p:sld>
+</file>
+
+<file path=ppt/slides/slide5.xml><?xml version="1.0" encoding="utf-8"?>
+<p:sld xmlns:a="http://schemas.openxmlformats.org/drawingml/2006/main" xmlns:r="http://schemas.openxmlformats.org/officeDocument/2006/relationships" xmlns:p="http://schemas.openxmlformats.org/presentationml/2006/main">
+  <p:cSld>
+    <p:spTree>
+      <p:nvGrpSpPr>
+        <p:cNvPr id="1" name=""/>
+        <p:cNvGrpSpPr/>
+        <p:nvPr/>
+      </p:nvGrpSpPr>
+      <p:grpSpPr/>
+      <p:sp>
+        <p:nvSpPr>
+          <p:cNvPr id="2" name="标题 1"/>
+          <p:cNvSpPr>
+            <a:spLocks noGrp="1"/>
+          </p:cNvSpPr>
+          <p:nvPr>
+            <p:ph type="title"/>
+          </p:nvPr>
+        </p:nvSpPr>
+        <p:spPr/>
+        <p:txBody>
+          <a:bodyPr/>
+          <a:p>
+            <a:r>
+              <a:rPr lang="zh-CN" altLang="en-US"/>
+              <a:t>动态储存与链表</a:t>
+            </a:r>
+            <a:r>
+              <a:rPr lang="zh-CN" altLang="en-US" sz="800"/>
+              <a:t>（由于</a:t>
+            </a:r>
+            <a:r>
+              <a:rPr lang="en-US" altLang="zh-CN" sz="800">
+                <a:sym typeface="+mn-ea"/>
+              </a:rPr>
+              <a:t>C语言程序设计（第三版）里的动态储存和链表的相关知识</a:t>
+            </a:r>
+            <a:r>
+              <a:rPr sz="800">
+                <a:sym typeface="+mn-ea"/>
+              </a:rPr>
+              <a:t>与这里的内容一致，先完成杨老师布置的任务）</a:t>
+            </a:r>
+            <a:endParaRPr sz="800">
+              <a:sym typeface="+mn-ea"/>
+            </a:endParaRPr>
+          </a:p>
+        </p:txBody>
+      </p:sp>
+      <p:sp>
+        <p:nvSpPr>
+          <p:cNvPr id="3" name="内容占位符 2"/>
+          <p:cNvSpPr>
+            <a:spLocks noGrp="1"/>
+          </p:cNvSpPr>
+          <p:nvPr>
+            <p:ph idx="1"/>
+          </p:nvPr>
+        </p:nvSpPr>
+        <p:spPr/>
+        <p:txBody>
+          <a:bodyPr/>
+          <a:p>
+            <a:r>
+              <a:rPr lang="zh-CN" altLang="en-US" sz="2400"/>
+              <a:t>动态内存分配的步骤：</a:t>
+            </a:r>
+            <a:endParaRPr lang="zh-CN" altLang="en-US"/>
+          </a:p>
+          <a:p>
+            <a:r>
+              <a:rPr lang="en-US" altLang="zh-CN"/>
+              <a:t>1</a:t>
+            </a:r>
+            <a:r>
+              <a:t>、了解需要多少内存空间；</a:t>
+            </a:r>
+          </a:p>
+          <a:p>
+            <a:r>
+              <a:rPr lang="en-US" altLang="zh-CN"/>
+              <a:t>2</a:t>
+            </a:r>
+            <a:r>
+              <a:t>、利用</a:t>
+            </a:r>
+            <a:r>
+              <a:rPr lang="en-US" altLang="zh-CN"/>
+              <a:t>C</a:t>
+            </a:r>
+            <a:r>
+              <a:t>语言提供的动态分配函数来分配所需要的储存空间；</a:t>
+            </a:r>
+          </a:p>
+          <a:p>
+            <a:r>
+              <a:rPr lang="en-US" altLang="zh-CN"/>
+              <a:t>3</a:t>
+            </a:r>
+            <a:r>
+              <a:t>、使指针指向获得的内存空间，以便</a:t>
+            </a:r>
+            <a:r>
+              <a:rPr>
+                <a:sym typeface="+mn-ea"/>
+              </a:rPr>
+              <a:t>使</a:t>
+            </a:r>
+            <a:r>
+              <a:t>用指针在改空间内实施运算或操作；</a:t>
+            </a:r>
+          </a:p>
+          <a:p>
+            <a:r>
+              <a:rPr lang="en-US" altLang="zh-CN"/>
+              <a:t>4</a:t>
+            </a:r>
+            <a:r>
+              <a:t>、当使用完毕内存后，释放这一空间；</a:t>
+            </a:r>
+          </a:p>
+          <a:p>
+            <a:r>
+              <a:rPr sz="2400">
+                <a:sym typeface="+mn-ea"/>
+              </a:rPr>
+              <a:t>链表</a:t>
+            </a:r>
+            <a:endParaRPr sz="2400">
+              <a:sym typeface="+mn-ea"/>
+            </a:endParaRPr>
+          </a:p>
+          <a:p>
+            <a:pPr marL="0" indent="0">
+              <a:buNone/>
+            </a:pPr>
+            <a:r>
+              <a:rPr sz="2400"/>
+              <a:t>      </a:t>
+            </a:r>
+            <a:r>
+              <a:t>链表都有一个头指针，一般以head来表示，存放的是一个地址。链表中的节点分为两类，头结点和一般节点，头结点是没有数据域的。链表中每个节点都分为两部分，一个数据域，一个是指针域。</a:t>
+            </a:r>
+          </a:p>
+        </p:txBody>
+      </p:sp>
+    </p:spTree>
+    <p:custDataLst>
+      <p:tags r:id="rId1"/>
+    </p:custDataLst>
+  </p:cSld>
+  <p:clrMapOvr>
+    <a:masterClrMapping/>
+  </p:clrMapOvr>
+</p:sld>
+</file>
+
+<file path=ppt/slides/slide6.xml><?xml version="1.0" encoding="utf-8"?>
+<p:sld xmlns:a="http://schemas.openxmlformats.org/drawingml/2006/main" xmlns:r="http://schemas.openxmlformats.org/officeDocument/2006/relationships" xmlns:p="http://schemas.openxmlformats.org/presentationml/2006/main">
+  <p:cSld>
+    <p:spTree>
+      <p:nvGrpSpPr>
+        <p:cNvPr id="1" name=""/>
+        <p:cNvGrpSpPr/>
+        <p:nvPr/>
+      </p:nvGrpSpPr>
+      <p:grpSpPr/>
+      <p:sp>
+        <p:nvSpPr>
+          <p:cNvPr id="2" name="标题 1"/>
+          <p:cNvSpPr>
+            <a:spLocks noGrp="1"/>
+          </p:cNvSpPr>
+          <p:nvPr>
+            <p:ph type="title"/>
+          </p:nvPr>
+        </p:nvSpPr>
+        <p:spPr/>
+        <p:txBody>
+          <a:bodyPr/>
+          <a:p>
+            <a:br>
+              <a:rPr>
+                <a:sym typeface="+mn-ea"/>
+              </a:rPr>
+            </a:br>
+            <a:r>
+              <a:rPr>
+                <a:sym typeface="+mn-ea"/>
+              </a:rPr>
+              <a:t>单链表的实现</a:t>
+            </a:r>
+            <a:br>
+              <a:rPr lang="zh-CN" altLang="en-US"/>
+            </a:br>
+            <a:endParaRPr lang="zh-CN" altLang="en-US"/>
+          </a:p>
+        </p:txBody>
+      </p:sp>
+      <p:sp>
+        <p:nvSpPr>
+          <p:cNvPr id="3" name="内容占位符 2"/>
+          <p:cNvSpPr>
+            <a:spLocks noGrp="1"/>
+          </p:cNvSpPr>
+          <p:nvPr>
+            <p:ph idx="1"/>
+          </p:nvPr>
+        </p:nvSpPr>
+        <p:spPr/>
+        <p:txBody>
+          <a:bodyPr/>
+          <a:p>
+            <a:r>
+              <a:rPr>
+                <a:sym typeface="+mn-ea"/>
+              </a:rPr>
+              <a:t>由于</a:t>
+            </a:r>
+            <a:r>
+              <a:rPr>
+                <a:sym typeface="+mn-ea"/>
+              </a:rPr>
+              <a:t>单链表</a:t>
+            </a:r>
+            <a:r>
+              <a:rPr>
+                <a:sym typeface="+mn-ea"/>
+              </a:rPr>
+              <a:t>涉及动态储存，定义则多了一个指向下一成员的指针：</a:t>
+            </a:r>
+            <a:endParaRPr>
+              <a:sym typeface="+mn-ea"/>
+            </a:endParaRPr>
+          </a:p>
+          <a:p>
+            <a:endParaRPr lang="zh-CN" altLang="en-US"/>
+          </a:p>
+          <a:p>
+            <a:endParaRPr lang="zh-CN" altLang="en-US"/>
+          </a:p>
+          <a:p>
+            <a:endParaRPr lang="zh-CN" altLang="en-US"/>
+          </a:p>
+          <a:p>
+            <a:r>
+              <a:rPr lang="zh-CN" altLang="en-US"/>
+              <a:t>插入比较复杂：</a:t>
+            </a:r>
+            <a:endParaRPr lang="zh-CN" altLang="en-US"/>
+          </a:p>
+        </p:txBody>
+      </p:sp>
+      <p:pic>
+        <p:nvPicPr>
+          <p:cNvPr id="4" name="图片 3" descr="360截图20200118101440384"/>
+          <p:cNvPicPr>
+            <a:picLocks noChangeAspect="1"/>
+          </p:cNvPicPr>
+          <p:nvPr/>
+        </p:nvPicPr>
+        <p:blipFill>
+          <a:blip r:embed="rId1"/>
+          <a:stretch>
+            <a:fillRect/>
+          </a:stretch>
+        </p:blipFill>
+        <p:spPr>
+          <a:xfrm>
+            <a:off x="1070610" y="1748790"/>
+            <a:ext cx="3680460" cy="1028700"/>
+          </a:xfrm>
+          <a:prstGeom prst="rect">
+            <a:avLst/>
+          </a:prstGeom>
+        </p:spPr>
+      </p:pic>
+      <p:pic>
+        <p:nvPicPr>
+          <p:cNvPr id="5" name="图片 4" descr="360截图20200118102312774"/>
+          <p:cNvPicPr>
+            <a:picLocks noChangeAspect="1"/>
+          </p:cNvPicPr>
+          <p:nvPr/>
+        </p:nvPicPr>
+        <p:blipFill>
+          <a:blip r:embed="rId2"/>
+          <a:stretch>
+            <a:fillRect/>
+          </a:stretch>
+        </p:blipFill>
+        <p:spPr>
+          <a:xfrm>
+            <a:off x="2724150" y="2777490"/>
+            <a:ext cx="6179820" cy="3596640"/>
+          </a:xfrm>
+          <a:prstGeom prst="rect">
+            <a:avLst/>
+          </a:prstGeom>
+        </p:spPr>
+      </p:pic>
+    </p:spTree>
+    <p:custDataLst>
+      <p:tags r:id="rId3"/>
+    </p:custDataLst>
+  </p:cSld>
+  <p:clrMapOvr>
+    <a:masterClrMapping/>
+  </p:clrMapOvr>
+</p:sld>
+</file>
+
+<file path=ppt/slides/slide7.xml><?xml version="1.0" encoding="utf-8"?>
+<p:sld xmlns:a="http://schemas.openxmlformats.org/drawingml/2006/main" xmlns:r="http://schemas.openxmlformats.org/officeDocument/2006/relationships" xmlns:p="http://schemas.openxmlformats.org/presentationml/2006/main">
+  <p:cSld>
+    <p:spTree>
+      <p:nvGrpSpPr>
+        <p:cNvPr id="1" name=""/>
+        <p:cNvGrpSpPr/>
+        <p:nvPr/>
+      </p:nvGrpSpPr>
+      <p:grpSpPr/>
+      <p:sp>
+        <p:nvSpPr>
+          <p:cNvPr id="3" name="内容占位符 2"/>
+          <p:cNvSpPr>
+            <a:spLocks noGrp="1"/>
+          </p:cNvSpPr>
+          <p:nvPr>
+            <p:ph idx="1"/>
+          </p:nvPr>
+        </p:nvSpPr>
+        <p:spPr>
+          <a:xfrm>
+            <a:off x="669925" y="655320"/>
+            <a:ext cx="10852150" cy="5681980"/>
+          </a:xfrm>
+        </p:spPr>
+        <p:txBody>
+          <a:bodyPr/>
+          <a:p>
+            <a:r>
+              <a:rPr lang="zh-CN" altLang="en-US"/>
+              <a:t>删除：</a:t>
+            </a:r>
+            <a:endParaRPr lang="zh-CN" altLang="en-US"/>
+          </a:p>
+          <a:p>
+            <a:endParaRPr lang="zh-CN" altLang="en-US"/>
+          </a:p>
+          <a:p>
+            <a:endParaRPr lang="zh-CN" altLang="en-US"/>
+          </a:p>
+          <a:p>
+            <a:endParaRPr lang="zh-CN" altLang="en-US"/>
+          </a:p>
+          <a:p>
+            <a:endParaRPr lang="zh-CN" altLang="en-US"/>
+          </a:p>
+          <a:p>
+            <a:endParaRPr lang="zh-CN" altLang="en-US"/>
+          </a:p>
+          <a:p>
+            <a:endParaRPr lang="zh-CN" altLang="en-US"/>
+          </a:p>
+          <a:p>
+            <a:r>
+              <a:rPr lang="zh-CN" altLang="en-US"/>
+              <a:t>查找：                                                      修改：</a:t>
+            </a:r>
+            <a:endParaRPr lang="en-US" altLang="zh-CN"/>
+          </a:p>
+        </p:txBody>
+      </p:sp>
+      <p:pic>
+        <p:nvPicPr>
+          <p:cNvPr id="4" name="图片 3" descr="360截图20200118103221545"/>
+          <p:cNvPicPr>
+            <a:picLocks noChangeAspect="1"/>
+          </p:cNvPicPr>
+          <p:nvPr>
+            <p:custDataLst>
+              <p:tags r:id="rId1"/>
+            </p:custDataLst>
+          </p:nvPr>
+        </p:nvPicPr>
+        <p:blipFill>
+          <a:blip r:embed="rId2"/>
+          <a:stretch>
+            <a:fillRect/>
+          </a:stretch>
+        </p:blipFill>
+        <p:spPr>
+          <a:xfrm>
+            <a:off x="2034540" y="739140"/>
+            <a:ext cx="5090160" cy="2865120"/>
+          </a:xfrm>
+          <a:prstGeom prst="rect">
+            <a:avLst/>
+          </a:prstGeom>
+        </p:spPr>
+      </p:pic>
+      <p:pic>
+        <p:nvPicPr>
+          <p:cNvPr id="5" name="图片 4" descr="360截图20200118105627148"/>
+          <p:cNvPicPr>
+            <a:picLocks noChangeAspect="1"/>
+          </p:cNvPicPr>
+          <p:nvPr/>
+        </p:nvPicPr>
+        <p:blipFill>
+          <a:blip r:embed="rId3"/>
+          <a:stretch>
+            <a:fillRect/>
+          </a:stretch>
+        </p:blipFill>
+        <p:spPr>
+          <a:xfrm>
+            <a:off x="811530" y="4431030"/>
+            <a:ext cx="4198620" cy="1623060"/>
+          </a:xfrm>
+          <a:prstGeom prst="rect">
+            <a:avLst/>
+          </a:prstGeom>
+        </p:spPr>
+      </p:pic>
+      <p:pic>
+        <p:nvPicPr>
+          <p:cNvPr id="6" name="图片 5" descr="360截图20200118110509476"/>
+          <p:cNvPicPr>
+            <a:picLocks noChangeAspect="1"/>
+          </p:cNvPicPr>
+          <p:nvPr/>
+        </p:nvPicPr>
+        <p:blipFill>
+          <a:blip r:embed="rId4"/>
+          <a:stretch>
+            <a:fillRect/>
+          </a:stretch>
+        </p:blipFill>
+        <p:spPr>
+          <a:xfrm>
+            <a:off x="5814060" y="4431030"/>
+            <a:ext cx="5181600" cy="1584960"/>
+          </a:xfrm>
+          <a:prstGeom prst="rect">
+            <a:avLst/>
+          </a:prstGeom>
+        </p:spPr>
+      </p:pic>
+    </p:spTree>
+    <p:custDataLst>
+      <p:tags r:id="rId5"/>
     </p:custDataLst>
   </p:cSld>
   <p:clrMapOvr>
@@ -5709,6 +6450,45 @@
 </p:tagLst>
 </file>
 
+<file path=ppt/tags/tag65.xml><?xml version="1.0" encoding="utf-8"?>
+<p:tagLst xmlns:p="http://schemas.openxmlformats.org/presentationml/2006/main">
+  <p:tag name="KSO_WM_BEAUTIFY_FLAG" val="#wm#"/>
+  <p:tag name="KSO_WM_TEMPLATE_CATEGORY" val="custom"/>
+  <p:tag name="KSO_WM_TEMPLATE_INDEX" val="20187308"/>
+</p:tagLst>
+</file>
+
+<file path=ppt/tags/tag66.xml><?xml version="1.0" encoding="utf-8"?>
+<p:tagLst xmlns:p="http://schemas.openxmlformats.org/presentationml/2006/main">
+  <p:tag name="KSO_WM_BEAUTIFY_FLAG" val="#wm#"/>
+  <p:tag name="KSO_WM_TEMPLATE_CATEGORY" val="custom"/>
+  <p:tag name="KSO_WM_TEMPLATE_INDEX" val="20187308"/>
+</p:tagLst>
+</file>
+
+<file path=ppt/tags/tag67.xml><?xml version="1.0" encoding="utf-8"?>
+<p:tagLst xmlns:p="http://schemas.openxmlformats.org/presentationml/2006/main">
+  <p:tag name="KSO_WM_BEAUTIFY_FLAG" val="#wm#"/>
+  <p:tag name="KSO_WM_TEMPLATE_CATEGORY" val="custom"/>
+  <p:tag name="KSO_WM_TEMPLATE_INDEX" val="20187308"/>
+</p:tagLst>
+</file>
+
+<file path=ppt/tags/tag68.xml><?xml version="1.0" encoding="utf-8"?>
+<p:tagLst xmlns:p="http://schemas.openxmlformats.org/presentationml/2006/main">
+  <p:tag name="KSO_WM_BEAUTIFY_FLAG" val="#wm#"/>
+  <p:tag name="KSO_WM_TEMPLATE_CATEGORY" val="custom"/>
+  <p:tag name="KSO_WM_TEMPLATE_INDEX" val="20187308"/>
+</p:tagLst>
+</file>
+
+<file path=ppt/tags/tag69.xml><?xml version="1.0" encoding="utf-8"?>
+<p:tagLst xmlns:p="http://schemas.openxmlformats.org/presentationml/2006/main">
+  <p:tag name="REFSHAPE" val="891117100"/>
+  <p:tag name="KSO_WM_UNIT_PLACING_PICTURE_USER_VIEWPORT" val="{&quot;height&quot;:4512,&quot;width&quot;:8016}"/>
+</p:tagLst>
+</file>
+
 <file path=ppt/tags/tag7.xml><?xml version="1.0" encoding="utf-8"?>
 <p:tagLst xmlns:p="http://schemas.openxmlformats.org/presentationml/2006/main">
   <p:tag name="KSO_WM_UNIT_HIGHLIGHT" val="0"/>
@@ -5719,6 +6499,14 @@
   <p:tag name="KSO_WM_UNIT_LAYERLEVEL" val="1"/>
   <p:tag name="KSO_WM_TAG_VERSION" val="1.0"/>
   <p:tag name="KSO_WM_BEAUTIFY_FLAG" val="#wm#"/>
+</p:tagLst>
+</file>
+
+<file path=ppt/tags/tag70.xml><?xml version="1.0" encoding="utf-8"?>
+<p:tagLst xmlns:p="http://schemas.openxmlformats.org/presentationml/2006/main">
+  <p:tag name="KSO_WM_BEAUTIFY_FLAG" val="#wm#"/>
+  <p:tag name="KSO_WM_TEMPLATE_CATEGORY" val="custom"/>
+  <p:tag name="KSO_WM_TEMPLATE_INDEX" val="20187308"/>
 </p:tagLst>
 </file>
 
